--- a/ChromeDevToolsPresentation.pptx
+++ b/ChromeDevToolsPresentation.pptx
@@ -14,7 +14,7 @@
     <p:sldId id="281" r:id="rId5"/>
     <p:sldId id="258" r:id="rId6"/>
     <p:sldId id="273" r:id="rId7"/>
-    <p:sldId id="278" r:id="rId8"/>
+    <p:sldId id="286" r:id="rId8"/>
     <p:sldId id="265" r:id="rId9"/>
     <p:sldId id="261" r:id="rId10"/>
     <p:sldId id="274" r:id="rId11"/>
@@ -12728,7 +12728,7 @@
           </a:br>
           <a:r>
             <a:rPr lang="en-US" dirty="0"/>
-            <a:t>Or from ACM discord **</a:t>
+            <a:t>Link on discord</a:t>
           </a:r>
         </a:p>
       </dgm:t>
@@ -18299,7 +18299,7 @@
           </a:br>
           <a:r>
             <a:rPr lang="en-US" sz="2500" kern="1200" dirty="0"/>
-            <a:t>Or from ACM discord **</a:t>
+            <a:t>Link on discord</a:t>
           </a:r>
         </a:p>
       </dsp:txBody>
@@ -19315,7 +19315,7 @@
       <dsp:spPr>
         <a:xfrm>
           <a:off x="0" y="0"/>
-          <a:ext cx="11155680" cy="573776"/>
+          <a:ext cx="11155680" cy="1107948"/>
         </a:xfrm>
         <a:prstGeom prst="roundRect">
           <a:avLst/>
@@ -19381,8 +19381,8 @@
         </a:p>
       </dsp:txBody>
       <dsp:txXfrm>
-        <a:off x="28009" y="28009"/>
-        <a:ext cx="11099662" cy="517758"/>
+        <a:off x="54086" y="54086"/>
+        <a:ext cx="11047508" cy="999776"/>
       </dsp:txXfrm>
     </dsp:sp>
     <dsp:sp modelId="{BA603FC8-83FD-4897-BEE3-4CA75F466D3A}">
@@ -19392,8 +19392,8 @@
       </dsp:nvSpPr>
       <dsp:spPr>
         <a:xfrm>
-          <a:off x="0" y="576082"/>
-          <a:ext cx="11155680" cy="3874764"/>
+          <a:off x="0" y="1112248"/>
+          <a:ext cx="11155680" cy="3336602"/>
         </a:xfrm>
         <a:prstGeom prst="rect">
           <a:avLst/>
@@ -19531,8 +19531,8 @@
         </a:p>
       </dsp:txBody>
       <dsp:txXfrm>
-        <a:off x="0" y="576082"/>
-        <a:ext cx="11155680" cy="3874764"/>
+        <a:off x="0" y="1112248"/>
+        <a:ext cx="11155680" cy="3336602"/>
       </dsp:txXfrm>
     </dsp:sp>
   </dsp:spTree>
@@ -21748,7 +21748,7 @@
       <dsp:spPr>
         <a:xfrm>
           <a:off x="0" y="0"/>
-          <a:ext cx="11155680" cy="550641"/>
+          <a:ext cx="11155680" cy="638922"/>
         </a:xfrm>
         <a:prstGeom prst="roundRect">
           <a:avLst/>
@@ -21814,8 +21814,8 @@
         </a:p>
       </dsp:txBody>
       <dsp:txXfrm>
-        <a:off x="26880" y="26880"/>
-        <a:ext cx="11101920" cy="496881"/>
+        <a:off x="31190" y="31190"/>
+        <a:ext cx="11093300" cy="576542"/>
       </dsp:txXfrm>
     </dsp:sp>
     <dsp:sp modelId="{A372B1B7-F53B-466C-91C7-73EC25968836}">
@@ -21825,8 +21825,8 @@
       </dsp:nvSpPr>
       <dsp:spPr>
         <a:xfrm>
-          <a:off x="0" y="553473"/>
-          <a:ext cx="11155680" cy="3896847"/>
+          <a:off x="0" y="642204"/>
+          <a:ext cx="11155680" cy="3807665"/>
         </a:xfrm>
         <a:prstGeom prst="rect">
           <a:avLst/>
@@ -22055,8 +22055,8 @@
         </a:p>
       </dsp:txBody>
       <dsp:txXfrm>
-        <a:off x="0" y="553473"/>
-        <a:ext cx="11155680" cy="3896847"/>
+        <a:off x="0" y="642204"/>
+        <a:ext cx="11155680" cy="3807665"/>
       </dsp:txXfrm>
     </dsp:sp>
   </dsp:spTree>
@@ -23036,7 +23036,7 @@
       <dsp:spPr>
         <a:xfrm>
           <a:off x="0" y="0"/>
-          <a:ext cx="11155680" cy="586211"/>
+          <a:ext cx="11155680" cy="802386"/>
         </a:xfrm>
         <a:prstGeom prst="roundRect">
           <a:avLst/>
@@ -23102,8 +23102,8 @@
         </a:p>
       </dsp:txBody>
       <dsp:txXfrm>
-        <a:off x="28616" y="28616"/>
-        <a:ext cx="11098448" cy="528979"/>
+        <a:off x="39169" y="39169"/>
+        <a:ext cx="11077342" cy="724048"/>
       </dsp:txXfrm>
     </dsp:sp>
     <dsp:sp modelId="{BA603FC8-83FD-4897-BEE3-4CA75F466D3A}">
@@ -23113,8 +23113,8 @@
       </dsp:nvSpPr>
       <dsp:spPr>
         <a:xfrm>
-          <a:off x="0" y="587041"/>
-          <a:ext cx="11155680" cy="3865280"/>
+          <a:off x="0" y="804632"/>
+          <a:ext cx="11155680" cy="3646273"/>
         </a:xfrm>
         <a:prstGeom prst="rect">
           <a:avLst/>
@@ -23248,8 +23248,8 @@
         </a:p>
       </dsp:txBody>
       <dsp:txXfrm>
-        <a:off x="0" y="587041"/>
-        <a:ext cx="11155680" cy="3865280"/>
+        <a:off x="0" y="804632"/>
+        <a:ext cx="11155680" cy="3646273"/>
       </dsp:txXfrm>
     </dsp:sp>
   </dsp:spTree>
@@ -43054,114 +43054,6 @@
   <p:cSld>
     <p:spTree>
       <p:nvGrpSpPr>
-        <p:cNvPr id="1" name="">
-          <a:extLst>
-            <a:ext uri="{FF2B5EF4-FFF2-40B4-BE49-F238E27FC236}">
-              <a16:creationId xmlns:a16="http://schemas.microsoft.com/office/drawing/2014/main" id="{A29385B4-E13C-62EA-96DD-02677006FD92}"/>
-            </a:ext>
-          </a:extLst>
-        </p:cNvPr>
-        <p:cNvGrpSpPr/>
-        <p:nvPr/>
-      </p:nvGrpSpPr>
-      <p:grpSpPr>
-        <a:xfrm>
-          <a:off x="0" y="0"/>
-          <a:ext cx="0" cy="0"/>
-          <a:chOff x="0" y="0"/>
-          <a:chExt cx="0" cy="0"/>
-        </a:xfrm>
-      </p:grpSpPr>
-      <p:sp>
-        <p:nvSpPr>
-          <p:cNvPr id="2" name="Slide Image Placeholder 1">
-            <a:extLst>
-              <a:ext uri="{FF2B5EF4-FFF2-40B4-BE49-F238E27FC236}">
-                <a16:creationId xmlns:a16="http://schemas.microsoft.com/office/drawing/2014/main" id="{2404E199-49CC-EF31-3C0C-52DBA3487720}"/>
-              </a:ext>
-            </a:extLst>
-          </p:cNvPr>
-          <p:cNvSpPr>
-            <a:spLocks noGrp="1" noRot="1" noChangeAspect="1"/>
-          </p:cNvSpPr>
-          <p:nvPr>
-            <p:ph type="sldImg"/>
-          </p:nvPr>
-        </p:nvSpPr>
-        <p:spPr/>
-      </p:sp>
-      <p:sp>
-        <p:nvSpPr>
-          <p:cNvPr id="3" name="Notes Placeholder 2">
-            <a:extLst>
-              <a:ext uri="{FF2B5EF4-FFF2-40B4-BE49-F238E27FC236}">
-                <a16:creationId xmlns:a16="http://schemas.microsoft.com/office/drawing/2014/main" id="{912DB335-0226-7E56-E28A-7CC541507B9B}"/>
-              </a:ext>
-            </a:extLst>
-          </p:cNvPr>
-          <p:cNvSpPr>
-            <a:spLocks noGrp="1"/>
-          </p:cNvSpPr>
-          <p:nvPr>
-            <p:ph type="body" idx="1"/>
-          </p:nvPr>
-        </p:nvSpPr>
-        <p:spPr/>
-        <p:txBody>
-          <a:bodyPr/>
-          <a:lstStyle/>
-          <a:p>
-            <a:endParaRPr lang="en-US" dirty="0"/>
-          </a:p>
-        </p:txBody>
-      </p:sp>
-      <p:sp>
-        <p:nvSpPr>
-          <p:cNvPr id="4" name="Slide Number Placeholder 3">
-            <a:extLst>
-              <a:ext uri="{FF2B5EF4-FFF2-40B4-BE49-F238E27FC236}">
-                <a16:creationId xmlns:a16="http://schemas.microsoft.com/office/drawing/2014/main" id="{05001898-C3AE-1315-76EB-453D8672A848}"/>
-              </a:ext>
-            </a:extLst>
-          </p:cNvPr>
-          <p:cNvSpPr>
-            <a:spLocks noGrp="1"/>
-          </p:cNvSpPr>
-          <p:nvPr>
-            <p:ph type="sldNum" sz="quarter" idx="5"/>
-          </p:nvPr>
-        </p:nvSpPr>
-        <p:spPr/>
-        <p:txBody>
-          <a:bodyPr/>
-          <a:lstStyle/>
-          <a:p>
-            <a:fld id="{36B62A86-86E8-4763-8C4D-18E7D7326A25}" type="slidenum">
-              <a:rPr lang="en-US" smtClean="0"/>
-              <a:t>7</a:t>
-            </a:fld>
-            <a:endParaRPr lang="en-US"/>
-          </a:p>
-        </p:txBody>
-      </p:sp>
-    </p:spTree>
-    <p:extLst>
-      <p:ext uri="{BB962C8B-B14F-4D97-AF65-F5344CB8AC3E}">
-        <p14:creationId xmlns:p14="http://schemas.microsoft.com/office/powerpoint/2010/main" val="2481702650"/>
-      </p:ext>
-    </p:extLst>
-  </p:cSld>
-  <p:clrMapOvr>
-    <a:masterClrMapping/>
-  </p:clrMapOvr>
-</p:notes>
-</file>
-
-<file path=ppt/notesSlides/notesSlide4.xml><?xml version="1.0" encoding="utf-8"?>
-<p:notes xmlns:a="http://schemas.openxmlformats.org/drawingml/2006/main" xmlns:r="http://schemas.openxmlformats.org/officeDocument/2006/relationships" xmlns:p="http://schemas.openxmlformats.org/presentationml/2006/main">
-  <p:cSld>
-    <p:spTree>
-      <p:nvGrpSpPr>
         <p:cNvPr id="1" name=""/>
         <p:cNvGrpSpPr/>
         <p:nvPr/>
@@ -43241,7 +43133,7 @@
 </p:notes>
 </file>
 
-<file path=ppt/notesSlides/notesSlide5.xml><?xml version="1.0" encoding="utf-8"?>
+<file path=ppt/notesSlides/notesSlide4.xml><?xml version="1.0" encoding="utf-8"?>
 <p:notes xmlns:a="http://schemas.openxmlformats.org/drawingml/2006/main" xmlns:r="http://schemas.openxmlformats.org/officeDocument/2006/relationships" xmlns:p="http://schemas.openxmlformats.org/presentationml/2006/main">
   <p:cSld>
     <p:spTree>
@@ -43325,7 +43217,7 @@
 </p:notes>
 </file>
 
-<file path=ppt/notesSlides/notesSlide6.xml><?xml version="1.0" encoding="utf-8"?>
+<file path=ppt/notesSlides/notesSlide5.xml><?xml version="1.0" encoding="utf-8"?>
 <p:notes xmlns:a="http://schemas.openxmlformats.org/drawingml/2006/main" xmlns:r="http://schemas.openxmlformats.org/officeDocument/2006/relationships" xmlns:p="http://schemas.openxmlformats.org/presentationml/2006/main">
   <p:cSld>
     <p:spTree>
@@ -48501,12 +48393,12 @@
           <a:chExt cx="0" cy="0"/>
         </a:xfrm>
       </p:grpSpPr>
-      <p:sp useBgFill="1">
+      <p:sp>
         <p:nvSpPr>
-          <p:cNvPr id="14" name="Rectangle 13">
+          <p:cNvPr id="18" name="Rectangle 17">
             <a:extLst>
               <a:ext uri="{FF2B5EF4-FFF2-40B4-BE49-F238E27FC236}">
-                <a16:creationId xmlns:a16="http://schemas.microsoft.com/office/drawing/2014/main" id="{3CF669DD-D7EF-CBA8-3F70-FAE6DAB3B4EB}"/>
+                <a16:creationId xmlns:a16="http://schemas.microsoft.com/office/drawing/2014/main" id="{A49AAFE4-AE5C-C65D-5170-DA20D8FEDB24}"/>
               </a:ext>
               <a:ext uri="{C183D7F6-B498-43B3-948B-1728B52AA6E4}">
                 <adec:decorative xmlns:adec="http://schemas.microsoft.com/office/drawing/2017/decorative" val="1"/>
@@ -48526,12 +48418,15 @@
         </p:nvSpPr>
         <p:spPr>
           <a:xfrm>
-            <a:off x="3048" y="0"/>
-            <a:ext cx="12188952" cy="6857995"/>
+            <a:off x="521208" y="6299535"/>
+            <a:ext cx="11155680" cy="46469"/>
           </a:xfrm>
           <a:prstGeom prst="rect">
             <a:avLst/>
           </a:prstGeom>
+          <a:solidFill>
+            <a:schemeClr val="tx1"/>
+          </a:solidFill>
           <a:ln>
             <a:noFill/>
           </a:ln>
@@ -48557,70 +48452,7 @@
           <a:lstStyle/>
           <a:p>
             <a:pPr algn="ctr"/>
-            <a:endParaRPr lang="en-US" dirty="0"/>
-          </a:p>
-        </p:txBody>
-      </p:sp>
-      <p:sp>
-        <p:nvSpPr>
-          <p:cNvPr id="8" name="Title 1">
-            <a:extLst>
-              <a:ext uri="{FF2B5EF4-FFF2-40B4-BE49-F238E27FC236}">
-                <a16:creationId xmlns:a16="http://schemas.microsoft.com/office/drawing/2014/main" id="{BF9796C8-779D-2B90-8FBA-71F3D88E15B3}"/>
-              </a:ext>
-            </a:extLst>
-          </p:cNvPr>
-          <p:cNvSpPr txBox="1">
-            <a:spLocks/>
-          </p:cNvSpPr>
-          <p:nvPr/>
-        </p:nvSpPr>
-        <p:spPr>
-          <a:xfrm>
-            <a:off x="1450597" y="869037"/>
-            <a:ext cx="3154680" cy="4069080"/>
-          </a:xfrm>
-          <a:prstGeom prst="rect">
-            <a:avLst/>
-          </a:prstGeom>
-        </p:spPr>
-        <p:txBody>
-          <a:bodyPr vert="horz" lIns="91440" tIns="45720" rIns="91440" bIns="45720" rtlCol="0" anchor="t">
-            <a:normAutofit/>
-          </a:bodyPr>
-          <a:lstStyle>
-            <a:lvl1pPr algn="l" defTabSz="914400" rtl="0" eaLnBrk="1" latinLnBrk="0" hangingPunct="1">
-              <a:lnSpc>
-                <a:spcPct val="100000"/>
-              </a:lnSpc>
-              <a:spcBef>
-                <a:spcPct val="0"/>
-              </a:spcBef>
-              <a:buNone/>
-              <a:defRPr sz="5400" b="1" kern="1200">
-                <a:solidFill>
-                  <a:schemeClr val="tx1"/>
-                </a:solidFill>
-                <a:latin typeface="+mj-lt"/>
-                <a:ea typeface="+mj-ea"/>
-                <a:cs typeface="+mj-cs"/>
-              </a:defRPr>
-            </a:lvl1pPr>
-          </a:lstStyle>
-          <a:p>
-            <a:pPr>
-              <a:spcAft>
-                <a:spcPts val="600"/>
-              </a:spcAft>
-            </a:pPr>
-            <a:r>
-              <a:rPr lang="en-US" sz="4000" dirty="0">
-                <a:solidFill>
-                  <a:schemeClr val="bg1"/>
-                </a:solidFill>
-              </a:rPr>
-              <a:t>Console Panel</a:t>
-            </a:r>
+            <a:endParaRPr lang="en-US"/>
           </a:p>
         </p:txBody>
       </p:sp>
@@ -48687,12 +48519,12 @@
           </a:p>
         </p:txBody>
       </p:sp>
-      <p:sp>
+      <p:sp useBgFill="1">
         <p:nvSpPr>
-          <p:cNvPr id="18" name="Rectangle 17">
+          <p:cNvPr id="14" name="Rectangle 13">
             <a:extLst>
               <a:ext uri="{FF2B5EF4-FFF2-40B4-BE49-F238E27FC236}">
-                <a16:creationId xmlns:a16="http://schemas.microsoft.com/office/drawing/2014/main" id="{A49AAFE4-AE5C-C65D-5170-DA20D8FEDB24}"/>
+                <a16:creationId xmlns:a16="http://schemas.microsoft.com/office/drawing/2014/main" id="{3CF669DD-D7EF-CBA8-3F70-FAE6DAB3B4EB}"/>
               </a:ext>
               <a:ext uri="{C183D7F6-B498-43B3-948B-1728B52AA6E4}">
                 <adec:decorative xmlns:adec="http://schemas.microsoft.com/office/drawing/2017/decorative" val="1"/>
@@ -48712,15 +48544,12 @@
         </p:nvSpPr>
         <p:spPr>
           <a:xfrm>
-            <a:off x="521208" y="6299535"/>
-            <a:ext cx="11155680" cy="46469"/>
+            <a:off x="3048" y="0"/>
+            <a:ext cx="12188952" cy="6857995"/>
           </a:xfrm>
           <a:prstGeom prst="rect">
             <a:avLst/>
           </a:prstGeom>
-          <a:solidFill>
-            <a:schemeClr val="tx1"/>
-          </a:solidFill>
           <a:ln>
             <a:noFill/>
           </a:ln>
@@ -48746,7 +48575,104 @@
           <a:lstStyle/>
           <a:p>
             <a:pPr algn="ctr"/>
-            <a:endParaRPr lang="en-US"/>
+            <a:endParaRPr lang="en-US" dirty="0"/>
+          </a:p>
+        </p:txBody>
+      </p:sp>
+      <p:pic>
+        <p:nvPicPr>
+          <p:cNvPr id="2" name="Picture 1" descr="Black 3D wave design">
+            <a:extLst>
+              <a:ext uri="{FF2B5EF4-FFF2-40B4-BE49-F238E27FC236}">
+                <a16:creationId xmlns:a16="http://schemas.microsoft.com/office/drawing/2014/main" id="{52456F0A-B624-FB57-3986-6BBF08B8CDFD}"/>
+              </a:ext>
+              <a:ext uri="{C183D7F6-B498-43B3-948B-1728B52AA6E4}">
+                <adec:decorative xmlns:adec="http://schemas.microsoft.com/office/drawing/2017/decorative" val="0"/>
+              </a:ext>
+            </a:extLst>
+          </p:cNvPr>
+          <p:cNvPicPr>
+            <a:picLocks noChangeAspect="1"/>
+          </p:cNvPicPr>
+          <p:nvPr/>
+        </p:nvPicPr>
+        <p:blipFill>
+          <a:blip r:embed="rId2">
+            <a:alphaModFix amt="40000"/>
+          </a:blip>
+          <a:srcRect t="10300" b="14700"/>
+          <a:stretch/>
+        </p:blipFill>
+        <p:spPr>
+          <a:xfrm>
+            <a:off x="-2" y="-4"/>
+            <a:ext cx="12192001" cy="6858001"/>
+          </a:xfrm>
+          <a:prstGeom prst="rect">
+            <a:avLst/>
+          </a:prstGeom>
+        </p:spPr>
+      </p:pic>
+      <p:sp>
+        <p:nvSpPr>
+          <p:cNvPr id="8" name="Title 1">
+            <a:extLst>
+              <a:ext uri="{FF2B5EF4-FFF2-40B4-BE49-F238E27FC236}">
+                <a16:creationId xmlns:a16="http://schemas.microsoft.com/office/drawing/2014/main" id="{BF9796C8-779D-2B90-8FBA-71F3D88E15B3}"/>
+              </a:ext>
+            </a:extLst>
+          </p:cNvPr>
+          <p:cNvSpPr txBox="1">
+            <a:spLocks/>
+          </p:cNvSpPr>
+          <p:nvPr/>
+        </p:nvSpPr>
+        <p:spPr>
+          <a:xfrm>
+            <a:off x="1450597" y="869037"/>
+            <a:ext cx="3154680" cy="4069080"/>
+          </a:xfrm>
+          <a:prstGeom prst="rect">
+            <a:avLst/>
+          </a:prstGeom>
+        </p:spPr>
+        <p:txBody>
+          <a:bodyPr vert="horz" lIns="91440" tIns="45720" rIns="91440" bIns="45720" rtlCol="0" anchor="t">
+            <a:normAutofit/>
+          </a:bodyPr>
+          <a:lstStyle>
+            <a:lvl1pPr algn="l" defTabSz="914400" rtl="0" eaLnBrk="1" latinLnBrk="0" hangingPunct="1">
+              <a:lnSpc>
+                <a:spcPct val="100000"/>
+              </a:lnSpc>
+              <a:spcBef>
+                <a:spcPct val="0"/>
+              </a:spcBef>
+              <a:buNone/>
+              <a:defRPr sz="5400" b="1" kern="1200">
+                <a:solidFill>
+                  <a:schemeClr val="tx1"/>
+                </a:solidFill>
+                <a:latin typeface="+mj-lt"/>
+                <a:ea typeface="+mj-ea"/>
+                <a:cs typeface="+mj-cs"/>
+              </a:defRPr>
+            </a:lvl1pPr>
+          </a:lstStyle>
+          <a:p>
+            <a:pPr>
+              <a:spcAft>
+                <a:spcPts val="600"/>
+              </a:spcAft>
+            </a:pPr>
+            <a:r>
+              <a:rPr lang="en-US" sz="4000" dirty="0">
+                <a:solidFill>
+                  <a:schemeClr val="bg1"/>
+                </a:solidFill>
+              </a:rPr>
+              <a:t>Console Panel</a:t>
+            </a:r>
           </a:p>
         </p:txBody>
       </p:sp>
@@ -48765,7 +48691,7 @@
           <p:nvPr/>
         </p:nvPicPr>
         <p:blipFill>
-          <a:blip r:embed="rId2"/>
+          <a:blip r:embed="rId3"/>
           <a:stretch>
             <a:fillRect/>
           </a:stretch>
@@ -49924,6 +49850,166 @@
       </p:sp>
       <p:sp>
         <p:nvSpPr>
+          <p:cNvPr id="18" name="Rectangle 17">
+            <a:extLst>
+              <a:ext uri="{FF2B5EF4-FFF2-40B4-BE49-F238E27FC236}">
+                <a16:creationId xmlns:a16="http://schemas.microsoft.com/office/drawing/2014/main" id="{F5E0762B-5B61-4559-1515-31DB8A1AF3E1}"/>
+              </a:ext>
+              <a:ext uri="{C183D7F6-B498-43B3-948B-1728B52AA6E4}">
+                <adec:decorative xmlns:adec="http://schemas.microsoft.com/office/drawing/2017/decorative" val="1"/>
+              </a:ext>
+            </a:extLst>
+          </p:cNvPr>
+          <p:cNvSpPr>
+            <a:spLocks noGrp="1" noRot="1" noChangeAspect="1" noMove="1" noResize="1" noEditPoints="1" noAdjustHandles="1" noChangeArrowheads="1" noChangeShapeType="1" noTextEdit="1"/>
+          </p:cNvSpPr>
+          <p:nvPr>
+            <p:extLst>
+              <p:ext uri="{386F3935-93C4-4BCD-93E2-E3B085C9AB24}">
+                <p16:designElem xmlns:p16="http://schemas.microsoft.com/office/powerpoint/2015/main" val="1"/>
+              </p:ext>
+            </p:extLst>
+          </p:nvPr>
+        </p:nvSpPr>
+        <p:spPr>
+          <a:xfrm>
+            <a:off x="521208" y="6299535"/>
+            <a:ext cx="11155680" cy="46469"/>
+          </a:xfrm>
+          <a:prstGeom prst="rect">
+            <a:avLst/>
+          </a:prstGeom>
+          <a:solidFill>
+            <a:schemeClr val="tx1"/>
+          </a:solidFill>
+          <a:ln>
+            <a:noFill/>
+          </a:ln>
+        </p:spPr>
+        <p:style>
+          <a:lnRef idx="2">
+            <a:schemeClr val="accent1">
+              <a:shade val="50000"/>
+            </a:schemeClr>
+          </a:lnRef>
+          <a:fillRef idx="1">
+            <a:schemeClr val="accent1"/>
+          </a:fillRef>
+          <a:effectRef idx="0">
+            <a:schemeClr val="accent1"/>
+          </a:effectRef>
+          <a:fontRef idx="minor">
+            <a:schemeClr val="lt1"/>
+          </a:fontRef>
+        </p:style>
+        <p:txBody>
+          <a:bodyPr rtlCol="0" anchor="ctr"/>
+          <a:lstStyle/>
+          <a:p>
+            <a:pPr algn="ctr"/>
+            <a:endParaRPr lang="en-US"/>
+          </a:p>
+        </p:txBody>
+      </p:sp>
+      <p:sp>
+        <p:nvSpPr>
+          <p:cNvPr id="16" name="Rectangle 15">
+            <a:extLst>
+              <a:ext uri="{FF2B5EF4-FFF2-40B4-BE49-F238E27FC236}">
+                <a16:creationId xmlns:a16="http://schemas.microsoft.com/office/drawing/2014/main" id="{50D18A3B-9B4C-DCB6-F04F-88B1666382C5}"/>
+              </a:ext>
+              <a:ext uri="{C183D7F6-B498-43B3-948B-1728B52AA6E4}">
+                <adec:decorative xmlns:adec="http://schemas.microsoft.com/office/drawing/2017/decorative" val="1"/>
+              </a:ext>
+            </a:extLst>
+          </p:cNvPr>
+          <p:cNvSpPr>
+            <a:spLocks noGrp="1" noRot="1" noChangeAspect="1" noMove="1" noResize="1" noEditPoints="1" noAdjustHandles="1" noChangeArrowheads="1" noChangeShapeType="1" noTextEdit="1"/>
+          </p:cNvSpPr>
+          <p:nvPr>
+            <p:extLst>
+              <p:ext uri="{386F3935-93C4-4BCD-93E2-E3B085C9AB24}">
+                <p16:designElem xmlns:p16="http://schemas.microsoft.com/office/powerpoint/2015/main" val="1"/>
+              </p:ext>
+            </p:extLst>
+          </p:nvPr>
+        </p:nvSpPr>
+        <p:spPr>
+          <a:xfrm>
+            <a:off x="517870" y="508090"/>
+            <a:ext cx="11155680" cy="149279"/>
+          </a:xfrm>
+          <a:prstGeom prst="rect">
+            <a:avLst/>
+          </a:prstGeom>
+          <a:solidFill>
+            <a:schemeClr val="tx1"/>
+          </a:solidFill>
+          <a:ln>
+            <a:noFill/>
+          </a:ln>
+        </p:spPr>
+        <p:style>
+          <a:lnRef idx="2">
+            <a:schemeClr val="accent1">
+              <a:shade val="50000"/>
+            </a:schemeClr>
+          </a:lnRef>
+          <a:fillRef idx="1">
+            <a:schemeClr val="accent1"/>
+          </a:fillRef>
+          <a:effectRef idx="0">
+            <a:schemeClr val="accent1"/>
+          </a:effectRef>
+          <a:fontRef idx="minor">
+            <a:schemeClr val="lt1"/>
+          </a:fontRef>
+        </p:style>
+        <p:txBody>
+          <a:bodyPr rtlCol="0" anchor="ctr"/>
+          <a:lstStyle/>
+          <a:p>
+            <a:pPr algn="ctr"/>
+            <a:endParaRPr lang="en-US"/>
+          </a:p>
+        </p:txBody>
+      </p:sp>
+      <p:pic>
+        <p:nvPicPr>
+          <p:cNvPr id="2" name="Picture 1" descr="Black 3D wave design">
+            <a:extLst>
+              <a:ext uri="{FF2B5EF4-FFF2-40B4-BE49-F238E27FC236}">
+                <a16:creationId xmlns:a16="http://schemas.microsoft.com/office/drawing/2014/main" id="{E6441588-A1B4-1CE2-47A2-C3D60773C027}"/>
+              </a:ext>
+              <a:ext uri="{C183D7F6-B498-43B3-948B-1728B52AA6E4}">
+                <adec:decorative xmlns:adec="http://schemas.microsoft.com/office/drawing/2017/decorative" val="0"/>
+              </a:ext>
+            </a:extLst>
+          </p:cNvPr>
+          <p:cNvPicPr>
+            <a:picLocks noChangeAspect="1"/>
+          </p:cNvPicPr>
+          <p:nvPr/>
+        </p:nvPicPr>
+        <p:blipFill>
+          <a:blip r:embed="rId2">
+            <a:alphaModFix amt="40000"/>
+          </a:blip>
+          <a:srcRect t="10300" b="14700"/>
+          <a:stretch/>
+        </p:blipFill>
+        <p:spPr>
+          <a:xfrm>
+            <a:off x="-2" y="-4"/>
+            <a:ext cx="12192001" cy="6858001"/>
+          </a:xfrm>
+          <a:prstGeom prst="rect">
+            <a:avLst/>
+          </a:prstGeom>
+        </p:spPr>
+      </p:pic>
+      <p:sp>
+        <p:nvSpPr>
           <p:cNvPr id="8" name="Title 1">
             <a:extLst>
               <a:ext uri="{FF2B5EF4-FFF2-40B4-BE49-F238E27FC236}">
@@ -50000,132 +50086,6 @@
           </a:p>
         </p:txBody>
       </p:sp>
-      <p:sp>
-        <p:nvSpPr>
-          <p:cNvPr id="16" name="Rectangle 15">
-            <a:extLst>
-              <a:ext uri="{FF2B5EF4-FFF2-40B4-BE49-F238E27FC236}">
-                <a16:creationId xmlns:a16="http://schemas.microsoft.com/office/drawing/2014/main" id="{50D18A3B-9B4C-DCB6-F04F-88B1666382C5}"/>
-              </a:ext>
-              <a:ext uri="{C183D7F6-B498-43B3-948B-1728B52AA6E4}">
-                <adec:decorative xmlns:adec="http://schemas.microsoft.com/office/drawing/2017/decorative" val="1"/>
-              </a:ext>
-            </a:extLst>
-          </p:cNvPr>
-          <p:cNvSpPr>
-            <a:spLocks noGrp="1" noRot="1" noChangeAspect="1" noMove="1" noResize="1" noEditPoints="1" noAdjustHandles="1" noChangeArrowheads="1" noChangeShapeType="1" noTextEdit="1"/>
-          </p:cNvSpPr>
-          <p:nvPr>
-            <p:extLst>
-              <p:ext uri="{386F3935-93C4-4BCD-93E2-E3B085C9AB24}">
-                <p16:designElem xmlns:p16="http://schemas.microsoft.com/office/powerpoint/2015/main" val="1"/>
-              </p:ext>
-            </p:extLst>
-          </p:nvPr>
-        </p:nvSpPr>
-        <p:spPr>
-          <a:xfrm>
-            <a:off x="517870" y="508090"/>
-            <a:ext cx="11155680" cy="149279"/>
-          </a:xfrm>
-          <a:prstGeom prst="rect">
-            <a:avLst/>
-          </a:prstGeom>
-          <a:solidFill>
-            <a:schemeClr val="tx1"/>
-          </a:solidFill>
-          <a:ln>
-            <a:noFill/>
-          </a:ln>
-        </p:spPr>
-        <p:style>
-          <a:lnRef idx="2">
-            <a:schemeClr val="accent1">
-              <a:shade val="50000"/>
-            </a:schemeClr>
-          </a:lnRef>
-          <a:fillRef idx="1">
-            <a:schemeClr val="accent1"/>
-          </a:fillRef>
-          <a:effectRef idx="0">
-            <a:schemeClr val="accent1"/>
-          </a:effectRef>
-          <a:fontRef idx="minor">
-            <a:schemeClr val="lt1"/>
-          </a:fontRef>
-        </p:style>
-        <p:txBody>
-          <a:bodyPr rtlCol="0" anchor="ctr"/>
-          <a:lstStyle/>
-          <a:p>
-            <a:pPr algn="ctr"/>
-            <a:endParaRPr lang="en-US"/>
-          </a:p>
-        </p:txBody>
-      </p:sp>
-      <p:sp>
-        <p:nvSpPr>
-          <p:cNvPr id="18" name="Rectangle 17">
-            <a:extLst>
-              <a:ext uri="{FF2B5EF4-FFF2-40B4-BE49-F238E27FC236}">
-                <a16:creationId xmlns:a16="http://schemas.microsoft.com/office/drawing/2014/main" id="{F5E0762B-5B61-4559-1515-31DB8A1AF3E1}"/>
-              </a:ext>
-              <a:ext uri="{C183D7F6-B498-43B3-948B-1728B52AA6E4}">
-                <adec:decorative xmlns:adec="http://schemas.microsoft.com/office/drawing/2017/decorative" val="1"/>
-              </a:ext>
-            </a:extLst>
-          </p:cNvPr>
-          <p:cNvSpPr>
-            <a:spLocks noGrp="1" noRot="1" noChangeAspect="1" noMove="1" noResize="1" noEditPoints="1" noAdjustHandles="1" noChangeArrowheads="1" noChangeShapeType="1" noTextEdit="1"/>
-          </p:cNvSpPr>
-          <p:nvPr>
-            <p:extLst>
-              <p:ext uri="{386F3935-93C4-4BCD-93E2-E3B085C9AB24}">
-                <p16:designElem xmlns:p16="http://schemas.microsoft.com/office/powerpoint/2015/main" val="1"/>
-              </p:ext>
-            </p:extLst>
-          </p:nvPr>
-        </p:nvSpPr>
-        <p:spPr>
-          <a:xfrm>
-            <a:off x="521208" y="6299535"/>
-            <a:ext cx="11155680" cy="46469"/>
-          </a:xfrm>
-          <a:prstGeom prst="rect">
-            <a:avLst/>
-          </a:prstGeom>
-          <a:solidFill>
-            <a:schemeClr val="tx1"/>
-          </a:solidFill>
-          <a:ln>
-            <a:noFill/>
-          </a:ln>
-        </p:spPr>
-        <p:style>
-          <a:lnRef idx="2">
-            <a:schemeClr val="accent1">
-              <a:shade val="50000"/>
-            </a:schemeClr>
-          </a:lnRef>
-          <a:fillRef idx="1">
-            <a:schemeClr val="accent1"/>
-          </a:fillRef>
-          <a:effectRef idx="0">
-            <a:schemeClr val="accent1"/>
-          </a:effectRef>
-          <a:fontRef idx="minor">
-            <a:schemeClr val="lt1"/>
-          </a:fontRef>
-        </p:style>
-        <p:txBody>
-          <a:bodyPr rtlCol="0" anchor="ctr"/>
-          <a:lstStyle/>
-          <a:p>
-            <a:pPr algn="ctr"/>
-            <a:endParaRPr lang="en-US"/>
-          </a:p>
-        </p:txBody>
-      </p:sp>
       <p:pic>
         <p:nvPicPr>
           <p:cNvPr id="9" name="Picture 8">
@@ -50141,7 +50101,7 @@
           <p:nvPr/>
         </p:nvPicPr>
         <p:blipFill>
-          <a:blip r:embed="rId2"/>
+          <a:blip r:embed="rId3"/>
           <a:stretch>
             <a:fillRect/>
           </a:stretch>
@@ -51576,7 +51536,7 @@
           <p:nvPr>
             <p:extLst>
               <p:ext uri="{D42A27DB-BD31-4B8C-83A1-F6EECF244321}">
-                <p14:modId xmlns:p14="http://schemas.microsoft.com/office/powerpoint/2010/main" val="1171671900"/>
+                <p14:modId xmlns:p14="http://schemas.microsoft.com/office/powerpoint/2010/main" val="511351651"/>
               </p:ext>
             </p:extLst>
           </p:nvPr>
@@ -51692,84 +51652,6 @@
           <a:p>
             <a:pPr algn="ctr"/>
             <a:endParaRPr lang="en-US" dirty="0"/>
-          </a:p>
-        </p:txBody>
-      </p:sp>
-      <p:sp>
-        <p:nvSpPr>
-          <p:cNvPr id="8" name="Title 1">
-            <a:extLst>
-              <a:ext uri="{FF2B5EF4-FFF2-40B4-BE49-F238E27FC236}">
-                <a16:creationId xmlns:a16="http://schemas.microsoft.com/office/drawing/2014/main" id="{5E6D7EC9-2BE0-BB19-9CD1-9A5D9DE1BB30}"/>
-              </a:ext>
-            </a:extLst>
-          </p:cNvPr>
-          <p:cNvSpPr txBox="1">
-            <a:spLocks/>
-          </p:cNvSpPr>
-          <p:nvPr/>
-        </p:nvSpPr>
-        <p:spPr>
-          <a:xfrm>
-            <a:off x="1450597" y="869037"/>
-            <a:ext cx="3154680" cy="4069080"/>
-          </a:xfrm>
-          <a:prstGeom prst="rect">
-            <a:avLst/>
-          </a:prstGeom>
-        </p:spPr>
-        <p:txBody>
-          <a:bodyPr vert="horz" lIns="91440" tIns="45720" rIns="91440" bIns="45720" rtlCol="0" anchor="t">
-            <a:normAutofit/>
-          </a:bodyPr>
-          <a:lstStyle>
-            <a:lvl1pPr algn="l" defTabSz="914400" rtl="0" eaLnBrk="1" latinLnBrk="0" hangingPunct="1">
-              <a:lnSpc>
-                <a:spcPct val="100000"/>
-              </a:lnSpc>
-              <a:spcBef>
-                <a:spcPct val="0"/>
-              </a:spcBef>
-              <a:buNone/>
-              <a:defRPr sz="5400" b="1" kern="1200">
-                <a:solidFill>
-                  <a:schemeClr val="tx1"/>
-                </a:solidFill>
-                <a:latin typeface="+mj-lt"/>
-                <a:ea typeface="+mj-ea"/>
-                <a:cs typeface="+mj-cs"/>
-              </a:defRPr>
-            </a:lvl1pPr>
-          </a:lstStyle>
-          <a:p>
-            <a:pPr>
-              <a:spcAft>
-                <a:spcPts val="600"/>
-              </a:spcAft>
-            </a:pPr>
-            <a:r>
-              <a:rPr lang="en-US" sz="4000" dirty="0">
-                <a:solidFill>
-                  <a:schemeClr val="bg1"/>
-                </a:solidFill>
-              </a:rPr>
-              <a:t>Network</a:t>
-            </a:r>
-          </a:p>
-          <a:p>
-            <a:pPr>
-              <a:spcAft>
-                <a:spcPts val="600"/>
-              </a:spcAft>
-            </a:pPr>
-            <a:r>
-              <a:rPr lang="en-US" sz="4000" dirty="0">
-                <a:solidFill>
-                  <a:schemeClr val="bg1"/>
-                </a:solidFill>
-              </a:rPr>
-              <a:t>Panel</a:t>
-            </a:r>
           </a:p>
         </p:txBody>
       </p:sp>
@@ -51901,6 +51783,118 @@
       </p:sp>
       <p:pic>
         <p:nvPicPr>
+          <p:cNvPr id="2" name="Picture 1" descr="Black 3D wave design">
+            <a:extLst>
+              <a:ext uri="{FF2B5EF4-FFF2-40B4-BE49-F238E27FC236}">
+                <a16:creationId xmlns:a16="http://schemas.microsoft.com/office/drawing/2014/main" id="{292E005A-11B7-D58B-A820-06B771040E21}"/>
+              </a:ext>
+              <a:ext uri="{C183D7F6-B498-43B3-948B-1728B52AA6E4}">
+                <adec:decorative xmlns:adec="http://schemas.microsoft.com/office/drawing/2017/decorative" val="0"/>
+              </a:ext>
+            </a:extLst>
+          </p:cNvPr>
+          <p:cNvPicPr>
+            <a:picLocks noChangeAspect="1"/>
+          </p:cNvPicPr>
+          <p:nvPr/>
+        </p:nvPicPr>
+        <p:blipFill>
+          <a:blip r:embed="rId2">
+            <a:alphaModFix amt="40000"/>
+          </a:blip>
+          <a:srcRect t="10300" b="14700"/>
+          <a:stretch/>
+        </p:blipFill>
+        <p:spPr>
+          <a:xfrm>
+            <a:off x="-2" y="-4"/>
+            <a:ext cx="12192001" cy="6858001"/>
+          </a:xfrm>
+          <a:prstGeom prst="rect">
+            <a:avLst/>
+          </a:prstGeom>
+        </p:spPr>
+      </p:pic>
+      <p:sp>
+        <p:nvSpPr>
+          <p:cNvPr id="8" name="Title 1">
+            <a:extLst>
+              <a:ext uri="{FF2B5EF4-FFF2-40B4-BE49-F238E27FC236}">
+                <a16:creationId xmlns:a16="http://schemas.microsoft.com/office/drawing/2014/main" id="{5E6D7EC9-2BE0-BB19-9CD1-9A5D9DE1BB30}"/>
+              </a:ext>
+            </a:extLst>
+          </p:cNvPr>
+          <p:cNvSpPr txBox="1">
+            <a:spLocks/>
+          </p:cNvSpPr>
+          <p:nvPr/>
+        </p:nvSpPr>
+        <p:spPr>
+          <a:xfrm>
+            <a:off x="1450597" y="869037"/>
+            <a:ext cx="3154680" cy="4069080"/>
+          </a:xfrm>
+          <a:prstGeom prst="rect">
+            <a:avLst/>
+          </a:prstGeom>
+        </p:spPr>
+        <p:txBody>
+          <a:bodyPr vert="horz" lIns="91440" tIns="45720" rIns="91440" bIns="45720" rtlCol="0" anchor="t">
+            <a:normAutofit/>
+          </a:bodyPr>
+          <a:lstStyle>
+            <a:lvl1pPr algn="l" defTabSz="914400" rtl="0" eaLnBrk="1" latinLnBrk="0" hangingPunct="1">
+              <a:lnSpc>
+                <a:spcPct val="100000"/>
+              </a:lnSpc>
+              <a:spcBef>
+                <a:spcPct val="0"/>
+              </a:spcBef>
+              <a:buNone/>
+              <a:defRPr sz="5400" b="1" kern="1200">
+                <a:solidFill>
+                  <a:schemeClr val="tx1"/>
+                </a:solidFill>
+                <a:latin typeface="+mj-lt"/>
+                <a:ea typeface="+mj-ea"/>
+                <a:cs typeface="+mj-cs"/>
+              </a:defRPr>
+            </a:lvl1pPr>
+          </a:lstStyle>
+          <a:p>
+            <a:pPr>
+              <a:spcAft>
+                <a:spcPts val="600"/>
+              </a:spcAft>
+            </a:pPr>
+            <a:r>
+              <a:rPr lang="en-US" sz="4000" dirty="0">
+                <a:solidFill>
+                  <a:schemeClr val="bg1"/>
+                </a:solidFill>
+              </a:rPr>
+              <a:t>Network</a:t>
+            </a:r>
+          </a:p>
+          <a:p>
+            <a:pPr>
+              <a:spcAft>
+                <a:spcPts val="600"/>
+              </a:spcAft>
+            </a:pPr>
+            <a:r>
+              <a:rPr lang="en-US" sz="4000" dirty="0">
+                <a:solidFill>
+                  <a:schemeClr val="bg1"/>
+                </a:solidFill>
+              </a:rPr>
+              <a:t>Panel</a:t>
+            </a:r>
+          </a:p>
+        </p:txBody>
+      </p:sp>
+      <p:pic>
+        <p:nvPicPr>
           <p:cNvPr id="6" name="Picture 5">
             <a:extLst>
               <a:ext uri="{FF2B5EF4-FFF2-40B4-BE49-F238E27FC236}">
@@ -51914,7 +51908,7 @@
           <p:nvPr/>
         </p:nvPicPr>
         <p:blipFill>
-          <a:blip r:embed="rId2"/>
+          <a:blip r:embed="rId3"/>
           <a:stretch>
             <a:fillRect/>
           </a:stretch>
@@ -52505,7 +52499,7 @@
         </p:nvSpPr>
         <p:spPr>
           <a:xfrm>
-            <a:off x="629412" y="803763"/>
+            <a:off x="629412" y="750735"/>
             <a:ext cx="3357789" cy="723392"/>
           </a:xfrm>
           <a:prstGeom prst="rect">
@@ -52514,7 +52508,7 @@
         </p:spPr>
         <p:txBody>
           <a:bodyPr vert="horz" lIns="91440" tIns="45720" rIns="91440" bIns="45720" rtlCol="0" anchor="t">
-            <a:normAutofit fontScale="77500" lnSpcReduction="20000"/>
+            <a:normAutofit/>
           </a:bodyPr>
           <a:lstStyle>
             <a:lvl1pPr algn="l" defTabSz="914400" rtl="0" eaLnBrk="1" latinLnBrk="0" hangingPunct="1">
@@ -52542,8 +52536,8 @@
               </a:spcAft>
             </a:pPr>
             <a:r>
-              <a:rPr lang="en-US" sz="4000" dirty="0"/>
-              <a:t>Bonus Activity #1</a:t>
+              <a:rPr lang="en-US" sz="2800" dirty="0"/>
+              <a:t>Bonus Activity</a:t>
             </a:r>
           </a:p>
         </p:txBody>
@@ -52716,7 +52710,7 @@
         </p:nvSpPr>
         <p:spPr>
           <a:xfrm>
-            <a:off x="3987201" y="725515"/>
+            <a:off x="3387594" y="725515"/>
             <a:ext cx="6353123" cy="584775"/>
           </a:xfrm>
           <a:prstGeom prst="rect">
@@ -54405,6 +54399,40 @@
       </p:sp>
       <p:pic>
         <p:nvPicPr>
+          <p:cNvPr id="2" name="Picture 1" descr="Black 3D wave design">
+            <a:extLst>
+              <a:ext uri="{FF2B5EF4-FFF2-40B4-BE49-F238E27FC236}">
+                <a16:creationId xmlns:a16="http://schemas.microsoft.com/office/drawing/2014/main" id="{990F7F48-1BB4-217C-2639-D4C5ECF5881C}"/>
+              </a:ext>
+              <a:ext uri="{C183D7F6-B498-43B3-948B-1728B52AA6E4}">
+                <adec:decorative xmlns:adec="http://schemas.microsoft.com/office/drawing/2017/decorative" val="0"/>
+              </a:ext>
+            </a:extLst>
+          </p:cNvPr>
+          <p:cNvPicPr>
+            <a:picLocks noChangeAspect="1"/>
+          </p:cNvPicPr>
+          <p:nvPr/>
+        </p:nvPicPr>
+        <p:blipFill>
+          <a:blip r:embed="rId2">
+            <a:alphaModFix amt="40000"/>
+          </a:blip>
+          <a:srcRect t="10300" b="14700"/>
+          <a:stretch/>
+        </p:blipFill>
+        <p:spPr>
+          <a:xfrm>
+            <a:off x="-2" y="-4"/>
+            <a:ext cx="12192001" cy="6858001"/>
+          </a:xfrm>
+          <a:prstGeom prst="rect">
+            <a:avLst/>
+          </a:prstGeom>
+        </p:spPr>
+      </p:pic>
+      <p:pic>
+        <p:nvPicPr>
           <p:cNvPr id="3" name="Picture 2">
             <a:extLst>
               <a:ext uri="{FF2B5EF4-FFF2-40B4-BE49-F238E27FC236}">
@@ -54418,7 +54446,7 @@
           <p:nvPr/>
         </p:nvPicPr>
         <p:blipFill>
-          <a:blip r:embed="rId2"/>
+          <a:blip r:embed="rId3"/>
           <a:stretch>
             <a:fillRect/>
           </a:stretch>
@@ -55448,7 +55476,7 @@
         <p:cNvPr id="1" name="">
           <a:extLst>
             <a:ext uri="{FF2B5EF4-FFF2-40B4-BE49-F238E27FC236}">
-              <a16:creationId xmlns:a16="http://schemas.microsoft.com/office/drawing/2014/main" id="{F8F529E0-5D66-B1C1-EF5E-AE7336D0E5E9}"/>
+              <a16:creationId xmlns:a16="http://schemas.microsoft.com/office/drawing/2014/main" id="{116C7726-368E-B829-5FBF-222C0626B9CF}"/>
             </a:ext>
           </a:extLst>
         </p:cNvPr>
@@ -55468,7 +55496,7 @@
           <p:cNvPr id="14" name="Rectangle 13">
             <a:extLst>
               <a:ext uri="{FF2B5EF4-FFF2-40B4-BE49-F238E27FC236}">
-                <a16:creationId xmlns:a16="http://schemas.microsoft.com/office/drawing/2014/main" id="{9794E460-8F8C-D13E-91DE-F8CB74AA7414}"/>
+                <a16:creationId xmlns:a16="http://schemas.microsoft.com/office/drawing/2014/main" id="{CF6EAE1B-2AB8-CE6A-8313-B382C1DEA2D7}"/>
               </a:ext>
               <a:ext uri="{C183D7F6-B498-43B3-948B-1728B52AA6E4}">
                 <adec:decorative xmlns:adec="http://schemas.microsoft.com/office/drawing/2017/decorative" val="1"/>
@@ -55525,73 +55553,10 @@
       </p:sp>
       <p:sp>
         <p:nvSpPr>
-          <p:cNvPr id="8" name="Title 1">
-            <a:extLst>
-              <a:ext uri="{FF2B5EF4-FFF2-40B4-BE49-F238E27FC236}">
-                <a16:creationId xmlns:a16="http://schemas.microsoft.com/office/drawing/2014/main" id="{AAA2F415-C343-8253-8E2D-BFDD2980DAE3}"/>
-              </a:ext>
-            </a:extLst>
-          </p:cNvPr>
-          <p:cNvSpPr txBox="1">
-            <a:spLocks/>
-          </p:cNvSpPr>
-          <p:nvPr/>
-        </p:nvSpPr>
-        <p:spPr>
-          <a:xfrm>
-            <a:off x="521207" y="978408"/>
-            <a:ext cx="3154680" cy="4069080"/>
-          </a:xfrm>
-          <a:prstGeom prst="rect">
-            <a:avLst/>
-          </a:prstGeom>
-        </p:spPr>
-        <p:txBody>
-          <a:bodyPr vert="horz" lIns="91440" tIns="45720" rIns="91440" bIns="45720" rtlCol="0" anchor="t">
-            <a:normAutofit/>
-          </a:bodyPr>
-          <a:lstStyle>
-            <a:lvl1pPr algn="l" defTabSz="914400" rtl="0" eaLnBrk="1" latinLnBrk="0" hangingPunct="1">
-              <a:lnSpc>
-                <a:spcPct val="100000"/>
-              </a:lnSpc>
-              <a:spcBef>
-                <a:spcPct val="0"/>
-              </a:spcBef>
-              <a:buNone/>
-              <a:defRPr sz="5400" b="1" kern="1200">
-                <a:solidFill>
-                  <a:schemeClr val="tx1"/>
-                </a:solidFill>
-                <a:latin typeface="+mj-lt"/>
-                <a:ea typeface="+mj-ea"/>
-                <a:cs typeface="+mj-cs"/>
-              </a:defRPr>
-            </a:lvl1pPr>
-          </a:lstStyle>
-          <a:p>
-            <a:pPr>
-              <a:spcAft>
-                <a:spcPts val="600"/>
-              </a:spcAft>
-            </a:pPr>
-            <a:r>
-              <a:rPr lang="en-US" sz="4000" dirty="0">
-                <a:solidFill>
-                  <a:schemeClr val="bg1"/>
-                </a:solidFill>
-              </a:rPr>
-              <a:t>Element Panel</a:t>
-            </a:r>
-          </a:p>
-        </p:txBody>
-      </p:sp>
-      <p:sp>
-        <p:nvSpPr>
           <p:cNvPr id="16" name="Rectangle 15">
             <a:extLst>
               <a:ext uri="{FF2B5EF4-FFF2-40B4-BE49-F238E27FC236}">
-                <a16:creationId xmlns:a16="http://schemas.microsoft.com/office/drawing/2014/main" id="{420BA699-8A7B-9002-4ACF-924E52ACA69F}"/>
+                <a16:creationId xmlns:a16="http://schemas.microsoft.com/office/drawing/2014/main" id="{0E449006-4A39-5533-0C02-784F12DE35CD}"/>
               </a:ext>
               <a:ext uri="{C183D7F6-B498-43B3-948B-1728B52AA6E4}">
                 <adec:decorative xmlns:adec="http://schemas.microsoft.com/office/drawing/2017/decorative" val="1"/>
@@ -55654,7 +55619,7 @@
           <p:cNvPr id="18" name="Rectangle 17">
             <a:extLst>
               <a:ext uri="{FF2B5EF4-FFF2-40B4-BE49-F238E27FC236}">
-                <a16:creationId xmlns:a16="http://schemas.microsoft.com/office/drawing/2014/main" id="{1C454CAA-E09E-1984-F048-E7B8DEA78F21}"/>
+                <a16:creationId xmlns:a16="http://schemas.microsoft.com/office/drawing/2014/main" id="{5495C163-9332-4DD0-D2F3-E6C42B1A732C}"/>
               </a:ext>
               <a:ext uri="{C183D7F6-B498-43B3-948B-1728B52AA6E4}">
                 <adec:decorative xmlns:adec="http://schemas.microsoft.com/office/drawing/2017/decorative" val="1"/>
@@ -55714,10 +55679,107 @@
       </p:sp>
       <p:pic>
         <p:nvPicPr>
-          <p:cNvPr id="3" name="Picture 2">
+          <p:cNvPr id="2" name="Picture 1" descr="Black 3D wave design">
             <a:extLst>
               <a:ext uri="{FF2B5EF4-FFF2-40B4-BE49-F238E27FC236}">
-                <a16:creationId xmlns:a16="http://schemas.microsoft.com/office/drawing/2014/main" id="{C672622E-7153-BC2C-8801-BBF22100BA78}"/>
+                <a16:creationId xmlns:a16="http://schemas.microsoft.com/office/drawing/2014/main" id="{E558DF86-3C45-325E-F91A-2113600E7DD1}"/>
+              </a:ext>
+              <a:ext uri="{C183D7F6-B498-43B3-948B-1728B52AA6E4}">
+                <adec:decorative xmlns:adec="http://schemas.microsoft.com/office/drawing/2017/decorative" val="0"/>
+              </a:ext>
+            </a:extLst>
+          </p:cNvPr>
+          <p:cNvPicPr>
+            <a:picLocks noChangeAspect="1"/>
+          </p:cNvPicPr>
+          <p:nvPr/>
+        </p:nvPicPr>
+        <p:blipFill>
+          <a:blip r:embed="rId2">
+            <a:alphaModFix amt="40000"/>
+          </a:blip>
+          <a:srcRect t="10300" b="14700"/>
+          <a:stretch/>
+        </p:blipFill>
+        <p:spPr>
+          <a:xfrm>
+            <a:off x="-2" y="-4"/>
+            <a:ext cx="12192001" cy="6858001"/>
+          </a:xfrm>
+          <a:prstGeom prst="rect">
+            <a:avLst/>
+          </a:prstGeom>
+        </p:spPr>
+      </p:pic>
+      <p:sp>
+        <p:nvSpPr>
+          <p:cNvPr id="4" name="Title 1">
+            <a:extLst>
+              <a:ext uri="{FF2B5EF4-FFF2-40B4-BE49-F238E27FC236}">
+                <a16:creationId xmlns:a16="http://schemas.microsoft.com/office/drawing/2014/main" id="{66F8B27B-A78B-630C-EE50-8C5E5E5BB7BF}"/>
+              </a:ext>
+            </a:extLst>
+          </p:cNvPr>
+          <p:cNvSpPr txBox="1">
+            <a:spLocks/>
+          </p:cNvSpPr>
+          <p:nvPr/>
+        </p:nvSpPr>
+        <p:spPr>
+          <a:xfrm>
+            <a:off x="523964" y="710138"/>
+            <a:ext cx="3154680" cy="4069080"/>
+          </a:xfrm>
+          <a:prstGeom prst="rect">
+            <a:avLst/>
+          </a:prstGeom>
+        </p:spPr>
+        <p:txBody>
+          <a:bodyPr vert="horz" lIns="91440" tIns="45720" rIns="91440" bIns="45720" rtlCol="0" anchor="t">
+            <a:normAutofit/>
+          </a:bodyPr>
+          <a:lstStyle>
+            <a:lvl1pPr algn="l" defTabSz="914400" rtl="0" eaLnBrk="1" latinLnBrk="0" hangingPunct="1">
+              <a:lnSpc>
+                <a:spcPct val="100000"/>
+              </a:lnSpc>
+              <a:spcBef>
+                <a:spcPct val="0"/>
+              </a:spcBef>
+              <a:buNone/>
+              <a:defRPr sz="5400" b="1" kern="1200">
+                <a:solidFill>
+                  <a:schemeClr val="tx1"/>
+                </a:solidFill>
+                <a:latin typeface="+mj-lt"/>
+                <a:ea typeface="+mj-ea"/>
+                <a:cs typeface="+mj-cs"/>
+              </a:defRPr>
+            </a:lvl1pPr>
+          </a:lstStyle>
+          <a:p>
+            <a:pPr>
+              <a:spcAft>
+                <a:spcPts val="600"/>
+              </a:spcAft>
+            </a:pPr>
+            <a:r>
+              <a:rPr lang="en-US" sz="4000" dirty="0">
+                <a:solidFill>
+                  <a:schemeClr val="bg1"/>
+                </a:solidFill>
+              </a:rPr>
+              <a:t>Element Panel</a:t>
+            </a:r>
+          </a:p>
+        </p:txBody>
+      </p:sp>
+      <p:pic>
+        <p:nvPicPr>
+          <p:cNvPr id="5" name="Picture 4">
+            <a:extLst>
+              <a:ext uri="{FF2B5EF4-FFF2-40B4-BE49-F238E27FC236}">
+                <a16:creationId xmlns:a16="http://schemas.microsoft.com/office/drawing/2014/main" id="{369A27C7-4A7B-0408-B01D-420A26B6940F}"/>
               </a:ext>
             </a:extLst>
           </p:cNvPr>
@@ -55734,7 +55796,7 @@
         </p:blipFill>
         <p:spPr>
           <a:xfrm>
-            <a:off x="2799587" y="1165459"/>
+            <a:off x="2802344" y="897189"/>
             <a:ext cx="8871206" cy="4692208"/>
           </a:xfrm>
           <a:prstGeom prst="rect">
@@ -55744,10 +55806,10 @@
       </p:pic>
       <p:sp>
         <p:nvSpPr>
-          <p:cNvPr id="4" name="Oval 3">
+          <p:cNvPr id="6" name="Oval 5">
             <a:extLst>
               <a:ext uri="{FF2B5EF4-FFF2-40B4-BE49-F238E27FC236}">
-                <a16:creationId xmlns:a16="http://schemas.microsoft.com/office/drawing/2014/main" id="{EA98B061-C390-CB18-F9E9-30D41ACA346D}"/>
+                <a16:creationId xmlns:a16="http://schemas.microsoft.com/office/drawing/2014/main" id="{2F6FA6DE-54CC-4A58-A1B2-DC8FF38E82AA}"/>
               </a:ext>
             </a:extLst>
           </p:cNvPr>
@@ -55756,59 +55818,7 @@
         </p:nvSpPr>
         <p:spPr>
           <a:xfrm>
-            <a:off x="2623279" y="5426439"/>
-            <a:ext cx="1052608" cy="453153"/>
-          </a:xfrm>
-          <a:prstGeom prst="ellipse">
-            <a:avLst/>
-          </a:prstGeom>
-          <a:noFill/>
-          <a:ln w="28575">
-            <a:solidFill>
-              <a:srgbClr val="FF0000"/>
-            </a:solidFill>
-          </a:ln>
-        </p:spPr>
-        <p:style>
-          <a:lnRef idx="2">
-            <a:schemeClr val="accent1">
-              <a:shade val="15000"/>
-            </a:schemeClr>
-          </a:lnRef>
-          <a:fillRef idx="1">
-            <a:schemeClr val="accent1"/>
-          </a:fillRef>
-          <a:effectRef idx="0">
-            <a:schemeClr val="accent1"/>
-          </a:effectRef>
-          <a:fontRef idx="minor">
-            <a:schemeClr val="lt1"/>
-          </a:fontRef>
-        </p:style>
-        <p:txBody>
-          <a:bodyPr rtlCol="0" anchor="ctr"/>
-          <a:lstStyle/>
-          <a:p>
-            <a:pPr algn="ctr"/>
-            <a:endParaRPr lang="en-US"/>
-          </a:p>
-        </p:txBody>
-      </p:sp>
-      <p:sp>
-        <p:nvSpPr>
-          <p:cNvPr id="6" name="Oval 5">
-            <a:extLst>
-              <a:ext uri="{FF2B5EF4-FFF2-40B4-BE49-F238E27FC236}">
-                <a16:creationId xmlns:a16="http://schemas.microsoft.com/office/drawing/2014/main" id="{C63AD6B6-3D40-0180-87B1-33B8CF869078}"/>
-              </a:ext>
-            </a:extLst>
-          </p:cNvPr>
-          <p:cNvSpPr/>
-          <p:nvPr/>
-        </p:nvSpPr>
-        <p:spPr>
-          <a:xfrm>
-            <a:off x="3675887" y="1143534"/>
+            <a:off x="3678644" y="875264"/>
             <a:ext cx="1052608" cy="453153"/>
           </a:xfrm>
           <a:prstGeom prst="ellipse">
@@ -55849,7 +55859,7 @@
     </p:spTree>
     <p:extLst>
       <p:ext uri="{BB962C8B-B14F-4D97-AF65-F5344CB8AC3E}">
-        <p14:creationId xmlns:p14="http://schemas.microsoft.com/office/powerpoint/2010/main" val="1451439469"/>
+        <p14:creationId xmlns:p14="http://schemas.microsoft.com/office/powerpoint/2010/main" val="3593064227"/>
       </p:ext>
     </p:extLst>
   </p:cSld>

--- a/ChromeDevToolsPresentation.pptx
+++ b/ChromeDevToolsPresentation.pptx
@@ -48629,7 +48629,7 @@
         </p:nvSpPr>
         <p:spPr>
           <a:xfrm>
-            <a:off x="1450597" y="869037"/>
+            <a:off x="520917" y="582729"/>
             <a:ext cx="3154680" cy="4069080"/>
           </a:xfrm>
           <a:prstGeom prst="rect">
@@ -48698,7 +48698,7 @@
         </p:blipFill>
         <p:spPr>
           <a:xfrm>
-            <a:off x="4194046" y="869037"/>
+            <a:off x="4122339" y="568714"/>
             <a:ext cx="5662985" cy="5218830"/>
           </a:xfrm>
           <a:prstGeom prst="rect">
@@ -48720,7 +48720,7 @@
         </p:nvSpPr>
         <p:spPr>
           <a:xfrm>
-            <a:off x="5569406" y="869037"/>
+            <a:off x="5464475" y="508090"/>
             <a:ext cx="1052608" cy="453153"/>
           </a:xfrm>
           <a:prstGeom prst="ellipse">
@@ -50024,7 +50024,7 @@
         </p:nvSpPr>
         <p:spPr>
           <a:xfrm>
-            <a:off x="1450597" y="869037"/>
+            <a:off x="517869" y="498380"/>
             <a:ext cx="3154680" cy="4069080"/>
           </a:xfrm>
           <a:prstGeom prst="rect">
@@ -50108,7 +50108,7 @@
         </p:blipFill>
         <p:spPr>
           <a:xfrm>
-            <a:off x="4443036" y="615790"/>
+            <a:off x="3672549" y="620680"/>
             <a:ext cx="6287377" cy="5725324"/>
           </a:xfrm>
           <a:prstGeom prst="rect">
@@ -50130,7 +50130,7 @@
         </p:nvSpPr>
         <p:spPr>
           <a:xfrm>
-            <a:off x="6095710" y="610900"/>
+            <a:off x="5322808" y="620678"/>
             <a:ext cx="1052608" cy="350343"/>
           </a:xfrm>
           <a:prstGeom prst="ellipse">
@@ -50182,7 +50182,7 @@
         </p:nvSpPr>
         <p:spPr>
           <a:xfrm>
-            <a:off x="4382059" y="4098881"/>
+            <a:off x="3672548" y="4090334"/>
             <a:ext cx="1052608" cy="337149"/>
           </a:xfrm>
           <a:prstGeom prst="ellipse">
@@ -50234,7 +50234,7 @@
         </p:nvSpPr>
         <p:spPr>
           <a:xfrm>
-            <a:off x="5602514" y="2180067"/>
+            <a:off x="4829612" y="2511248"/>
             <a:ext cx="493196" cy="247871"/>
           </a:xfrm>
           <a:prstGeom prst="ellipse">
@@ -51831,7 +51831,7 @@
         </p:nvSpPr>
         <p:spPr>
           <a:xfrm>
-            <a:off x="1450597" y="869037"/>
+            <a:off x="517869" y="508088"/>
             <a:ext cx="3154680" cy="4069080"/>
           </a:xfrm>
           <a:prstGeom prst="rect">
@@ -55727,7 +55727,7 @@
         </p:nvSpPr>
         <p:spPr>
           <a:xfrm>
-            <a:off x="523964" y="710138"/>
+            <a:off x="523963" y="508090"/>
             <a:ext cx="3154680" cy="4069080"/>
           </a:xfrm>
           <a:prstGeom prst="rect">
@@ -55796,7 +55796,7 @@
         </p:blipFill>
         <p:spPr>
           <a:xfrm>
-            <a:off x="2802344" y="897189"/>
+            <a:off x="2796831" y="508090"/>
             <a:ext cx="8871206" cy="4692208"/>
           </a:xfrm>
           <a:prstGeom prst="rect">
@@ -55818,7 +55818,59 @@
         </p:nvSpPr>
         <p:spPr>
           <a:xfrm>
-            <a:off x="3678644" y="875264"/>
+            <a:off x="3678643" y="508088"/>
+            <a:ext cx="1052608" cy="453153"/>
+          </a:xfrm>
+          <a:prstGeom prst="ellipse">
+            <a:avLst/>
+          </a:prstGeom>
+          <a:noFill/>
+          <a:ln w="28575">
+            <a:solidFill>
+              <a:srgbClr val="FF0000"/>
+            </a:solidFill>
+          </a:ln>
+        </p:spPr>
+        <p:style>
+          <a:lnRef idx="2">
+            <a:schemeClr val="accent1">
+              <a:shade val="15000"/>
+            </a:schemeClr>
+          </a:lnRef>
+          <a:fillRef idx="1">
+            <a:schemeClr val="accent1"/>
+          </a:fillRef>
+          <a:effectRef idx="0">
+            <a:schemeClr val="accent1"/>
+          </a:effectRef>
+          <a:fontRef idx="minor">
+            <a:schemeClr val="lt1"/>
+          </a:fontRef>
+        </p:style>
+        <p:txBody>
+          <a:bodyPr rtlCol="0" anchor="ctr"/>
+          <a:lstStyle/>
+          <a:p>
+            <a:pPr algn="ctr"/>
+            <a:endParaRPr lang="en-US"/>
+          </a:p>
+        </p:txBody>
+      </p:sp>
+      <p:sp>
+        <p:nvSpPr>
+          <p:cNvPr id="7" name="Oval 6">
+            <a:extLst>
+              <a:ext uri="{FF2B5EF4-FFF2-40B4-BE49-F238E27FC236}">
+                <a16:creationId xmlns:a16="http://schemas.microsoft.com/office/drawing/2014/main" id="{B1087C91-71B6-4A5F-9B18-D8E95EC3AE56}"/>
+              </a:ext>
+            </a:extLst>
+          </p:cNvPr>
+          <p:cNvSpPr/>
+          <p:nvPr/>
+        </p:nvSpPr>
+        <p:spPr>
+          <a:xfrm>
+            <a:off x="2626035" y="4776564"/>
             <a:ext cx="1052608" cy="453153"/>
           </a:xfrm>
           <a:prstGeom prst="ellipse">
